--- a/study/ppt/[스터디]분류평가_KDH.pptx
+++ b/study/ppt/[스터디]분류평가_KDH.pptx
@@ -309,7 +309,7 @@
       </p15:sldGuideLst>
     </p:ext>
     <p:ext uri="http://customooxmlschemas.google.com/">
-      <go:slidesCustomData xmlns:go="http://customooxmlschemas.google.com/" xmlns:p15="http://schemas.microsoft.com/office/powerpoint/2012/main" xmlns:p14="http://schemas.microsoft.com/office/powerpoint/2010/main" xmlns:com="http://schemas.openxmlformats.org/drawingml/2006/compatibility" xmlns:pvml="urn:schemas-microsoft-com:office:powerpoint" xmlns:v="urn:schemas-microsoft-com:vml" xmlns:o="urn:schemas-microsoft-com:office:office" xmlns:dgm="http://schemas.openxmlformats.org/drawingml/2006/diagram" xmlns:c="http://schemas.openxmlformats.org/drawingml/2006/chart" xmlns:mv="urn:schemas-microsoft-com:mac:vml" xmlns:mc="http://schemas.openxmlformats.org/markup-compatibility/2006" xmlns="" r:id="rId10" roundtripDataSignature="AMtx7mhva3UHPhQA4WbyUQCroSE+7w+SGg=="/>
+      <go:slidesCustomData xmlns="" xmlns:mc="http://schemas.openxmlformats.org/markup-compatibility/2006" xmlns:mv="urn:schemas-microsoft-com:mac:vml" xmlns:c="http://schemas.openxmlformats.org/drawingml/2006/chart" xmlns:dgm="http://schemas.openxmlformats.org/drawingml/2006/diagram" xmlns:o="urn:schemas-microsoft-com:office:office" xmlns:v="urn:schemas-microsoft-com:vml" xmlns:pvml="urn:schemas-microsoft-com:office:powerpoint" xmlns:com="http://schemas.openxmlformats.org/drawingml/2006/compatibility" xmlns:p14="http://schemas.microsoft.com/office/powerpoint/2010/main" xmlns:p15="http://schemas.microsoft.com/office/powerpoint/2012/main" xmlns:go="http://customooxmlschemas.google.com/" r:id="rId10" roundtripDataSignature="AMtx7mhva3UHPhQA4WbyUQCroSE+7w+SGg=="/>
     </p:ext>
   </p:extLst>
 </p:presentation>
@@ -1622,6 +1622,15 @@
               <a:buFont typeface="Noto Sans Symbols"/>
               <a:buNone/>
             </a:pPr>
+            <a:r>
+              <a:rPr lang="en-US" altLang="ko-KR" dirty="0">
+                <a:highlight>
+                  <a:srgbClr val="FFFF00"/>
+                </a:highlight>
+                <a:hlinkClick r:id="rId3"/>
+              </a:rPr>
+              <a:t>http://hleecaster.com/ml-accuracy-recall-precision-f1/</a:t>
+            </a:r>
             <a:endParaRPr u="none" dirty="0">
               <a:highlight>
                 <a:srgbClr val="FFFF00"/>
@@ -1812,6 +1821,118 @@
               </a:rPr>
               <a:t>https://m.blog.naver.com/PostView.nhn?blogId=2feelus&amp;logNo=221266173496&amp;proxyReferer=https:%2F%2Fwww.google.com%2F</a:t>
             </a:r>
+            <a:endParaRPr lang="en-US" altLang="ko-KR" dirty="0">
+              <a:highlight>
+                <a:srgbClr val="FFFF00"/>
+              </a:highlight>
+            </a:endParaRPr>
+          </a:p>
+          <a:p>
+            <a:pPr marL="0" lvl="0" indent="0" algn="l" rtl="0">
+              <a:lnSpc>
+                <a:spcPct val="100000"/>
+              </a:lnSpc>
+              <a:spcBef>
+                <a:spcPts val="0"/>
+              </a:spcBef>
+              <a:spcAft>
+                <a:spcPts val="0"/>
+              </a:spcAft>
+              <a:buClr>
+                <a:schemeClr val="dk1"/>
+              </a:buClr>
+              <a:buSzPts val="1200"/>
+              <a:buFont typeface="Noto Sans Symbols"/>
+              <a:buNone/>
+            </a:pPr>
+            <a:r>
+              <a:rPr lang="en-US" altLang="ko-KR" u="none" dirty="0">
+                <a:highlight>
+                  <a:srgbClr val="FFFF00"/>
+                </a:highlight>
+              </a:rPr>
+              <a:t>F1 Score = </a:t>
+            </a:r>
+            <a:r>
+              <a:rPr lang="ko-KR" altLang="en-US" u="none" dirty="0">
+                <a:highlight>
+                  <a:srgbClr val="FFFF00"/>
+                </a:highlight>
+              </a:rPr>
+              <a:t>조화평균 </a:t>
+            </a:r>
+            <a:r>
+              <a:rPr lang="en-US" altLang="ko-KR" u="none" dirty="0">
+                <a:highlight>
+                  <a:srgbClr val="FFFF00"/>
+                </a:highlight>
+              </a:rPr>
+              <a:t>: </a:t>
+            </a:r>
+            <a:r>
+              <a:rPr lang="ko-KR" altLang="en-US" sz="1200" b="0" i="0" u="none" strike="noStrike" cap="none" dirty="0">
+                <a:solidFill>
+                  <a:schemeClr val="dk1"/>
+                </a:solidFill>
+                <a:effectLst/>
+                <a:highlight>
+                  <a:srgbClr val="FFFF00"/>
+                </a:highlight>
+                <a:latin typeface="Malgun Gothic"/>
+                <a:ea typeface="Malgun Gothic"/>
+                <a:cs typeface="Malgun Gothic"/>
+                <a:sym typeface="Malgun Gothic"/>
+              </a:rPr>
+              <a:t>두 지표를 모두 </a:t>
+            </a:r>
+            <a:r>
+              <a:rPr lang="ko-KR" altLang="en-US" sz="1200" b="0" i="0" u="none" strike="noStrike" cap="none" dirty="0" err="1">
+                <a:solidFill>
+                  <a:schemeClr val="dk1"/>
+                </a:solidFill>
+                <a:effectLst/>
+                <a:highlight>
+                  <a:srgbClr val="FFFF00"/>
+                </a:highlight>
+                <a:latin typeface="Malgun Gothic"/>
+                <a:ea typeface="Malgun Gothic"/>
+                <a:cs typeface="Malgun Gothic"/>
+                <a:sym typeface="Malgun Gothic"/>
+              </a:rPr>
+              <a:t>균형있게</a:t>
+            </a:r>
+            <a:r>
+              <a:rPr lang="ko-KR" altLang="en-US" sz="1200" b="0" i="0" u="none" strike="noStrike" cap="none" dirty="0">
+                <a:solidFill>
+                  <a:schemeClr val="dk1"/>
+                </a:solidFill>
+                <a:effectLst/>
+                <a:highlight>
+                  <a:srgbClr val="FFFF00"/>
+                </a:highlight>
+                <a:latin typeface="Malgun Gothic"/>
+                <a:ea typeface="Malgun Gothic"/>
+                <a:cs typeface="Malgun Gothic"/>
+                <a:sym typeface="Malgun Gothic"/>
+              </a:rPr>
+              <a:t> 반영하여 모델의 성능이 좋지 않다는 것을 잘 확인하기 위함이다</a:t>
+            </a:r>
+            <a:r>
+              <a:rPr lang="en-US" altLang="ko-KR" sz="1200" b="0" i="0" u="none" strike="noStrike" cap="none" dirty="0">
+                <a:solidFill>
+                  <a:schemeClr val="dk1"/>
+                </a:solidFill>
+                <a:effectLst/>
+                <a:highlight>
+                  <a:srgbClr val="FFFF00"/>
+                </a:highlight>
+                <a:latin typeface="Malgun Gothic"/>
+                <a:ea typeface="Malgun Gothic"/>
+                <a:cs typeface="Malgun Gothic"/>
+                <a:sym typeface="Malgun Gothic"/>
+              </a:rPr>
+              <a:t>.</a:t>
+            </a:r>
             <a:endParaRPr u="none" dirty="0">
               <a:highlight>
                 <a:srgbClr val="FFFF00"/>
@@ -1993,6 +2114,24 @@
               <a:buFont typeface="Noto Sans Symbols"/>
               <a:buNone/>
             </a:pPr>
+            <a:r>
+              <a:rPr lang="ko-KR" altLang="en-US" dirty="0">
+                <a:highlight>
+                  <a:srgbClr val="FFFF00"/>
+                </a:highlight>
+                <a:hlinkClick r:id="rId3"/>
+              </a:rPr>
+              <a:t>다중분류 </a:t>
+            </a:r>
+            <a:r>
+              <a:rPr lang="en-US" altLang="ko-KR" dirty="0">
+                <a:highlight>
+                  <a:srgbClr val="FFFF00"/>
+                </a:highlight>
+                <a:hlinkClick r:id="rId3"/>
+              </a:rPr>
+              <a:t>: https://nittaku.tistory.com/295</a:t>
+            </a:r>
             <a:endParaRPr lang="en-US" altLang="ko-KR" dirty="0">
               <a:highlight>
                 <a:srgbClr val="FFFF00"/>
@@ -4700,8 +4839,8 @@
           </a:p>
         </p:txBody>
       </p:sp>
-      <mc:AlternateContent xmlns:mc="http://schemas.openxmlformats.org/markup-compatibility/2006">
-        <mc:Choice xmlns:a14="http://schemas.microsoft.com/office/drawing/2010/main" Requires="a14">
+      <mc:AlternateContent xmlns:mc="http://schemas.openxmlformats.org/markup-compatibility/2006" xmlns:a14="http://schemas.microsoft.com/office/drawing/2010/main">
+        <mc:Choice Requires="a14">
           <p:sp>
             <p:nvSpPr>
               <p:cNvPr id="5" name="TextBox 4">
@@ -5164,7 +5303,7 @@
             </p:txBody>
           </p:sp>
         </mc:Choice>
-        <mc:Fallback>
+        <mc:Fallback xmlns="">
           <p:sp>
             <p:nvSpPr>
               <p:cNvPr id="5" name="TextBox 4">
@@ -5397,8 +5536,8 @@
           </a:p>
         </p:txBody>
       </p:sp>
-      <mc:AlternateContent xmlns:mc="http://schemas.openxmlformats.org/markup-compatibility/2006">
-        <mc:Choice xmlns:a14="http://schemas.microsoft.com/office/drawing/2010/main" Requires="a14">
+      <mc:AlternateContent xmlns:mc="http://schemas.openxmlformats.org/markup-compatibility/2006" xmlns:a14="http://schemas.microsoft.com/office/drawing/2010/main">
+        <mc:Choice Requires="a14">
           <p:sp>
             <p:nvSpPr>
               <p:cNvPr id="5" name="TextBox 4">
@@ -5448,6 +5587,7 @@
                 </a:r>
               </a:p>
               <a:p>
+                <a:pPr/>
                 <a14:m>
                   <m:oMathPara xmlns:m="http://schemas.openxmlformats.org/officeDocument/2006/math">
                     <m:oMathParaPr>
@@ -5531,13 +5671,7 @@
                         <a:rPr lang="en-US" altLang="ko-KR" sz="1800" b="1" i="1" dirty="0">
                           <a:latin typeface="Cambria Math" panose="02040503050406030204" pitchFamily="18" charset="0"/>
                         </a:rPr>
-                        <m:t>𝑻𝑷</m:t>
-                      </m:r>
-                      <m:r>
-                        <a:rPr lang="en-US" altLang="ko-KR" sz="1800" b="1" i="1" dirty="0">
-                          <a:latin typeface="Cambria Math" panose="02040503050406030204" pitchFamily="18" charset="0"/>
-                        </a:rPr>
-                        <m:t>𝑹</m:t>
+                        <m:t>𝑻𝑷𝑹</m:t>
                       </m:r>
                       <m:r>
                         <a:rPr lang="en-US" altLang="ko-KR" sz="1800" b="1" i="1" dirty="0">
@@ -5652,6 +5786,7 @@
                 <a:endParaRPr lang="en-US" altLang="ko-KR" sz="1600" dirty="0"/>
               </a:p>
               <a:p>
+                <a:pPr/>
                 <a14:m>
                   <m:oMathPara xmlns:m="http://schemas.openxmlformats.org/officeDocument/2006/math">
                     <m:oMathParaPr>
@@ -5689,13 +5824,7 @@
                             <a:rPr lang="en-US" altLang="ko-KR" sz="1800" b="1" i="1" dirty="0">
                               <a:latin typeface="Cambria Math" panose="02040503050406030204" pitchFamily="18" charset="0"/>
                             </a:rPr>
-                            <m:t>𝑻</m:t>
-                          </m:r>
-                          <m:r>
-                            <a:rPr lang="en-US" altLang="ko-KR" sz="1800" b="1" i="1" dirty="0">
-                              <a:latin typeface="Cambria Math" panose="02040503050406030204" pitchFamily="18" charset="0"/>
-                            </a:rPr>
-                            <m:t>𝑷</m:t>
+                            <m:t>𝑻𝑷</m:t>
                           </m:r>
                         </m:num>
                         <m:den>
@@ -5703,13 +5832,7 @@
                             <a:rPr lang="en-US" altLang="ko-KR" sz="1800" b="1" i="1" dirty="0">
                               <a:latin typeface="Cambria Math" panose="02040503050406030204" pitchFamily="18" charset="0"/>
                             </a:rPr>
-                            <m:t>𝑻</m:t>
-                          </m:r>
-                          <m:r>
-                            <a:rPr lang="en-US" altLang="ko-KR" sz="1800" b="1" i="1" dirty="0">
-                              <a:latin typeface="Cambria Math" panose="02040503050406030204" pitchFamily="18" charset="0"/>
-                            </a:rPr>
-                            <m:t>𝑷</m:t>
+                            <m:t>𝑻𝑷</m:t>
                           </m:r>
                           <m:r>
                             <a:rPr lang="en-US" altLang="ko-KR" sz="1800" b="1" i="1" dirty="0">
@@ -5877,13 +6000,7 @@
                       <a:rPr lang="en-US" altLang="ko-KR" sz="2000" dirty="0">
                         <a:latin typeface="Cambria Math" panose="02040503050406030204" pitchFamily="18" charset="0"/>
                       </a:rPr>
-                      <m:t> =</m:t>
-                    </m:r>
-                    <m:r>
-                      <a:rPr lang="en-US" altLang="ko-KR" sz="2000" dirty="0">
-                        <a:latin typeface="Cambria Math" panose="02040503050406030204" pitchFamily="18" charset="0"/>
-                      </a:rPr>
-                      <m:t>2 </m:t>
+                      <m:t> =2 </m:t>
                     </m:r>
                     <m:r>
                       <m:rPr>
@@ -6066,7 +6183,7 @@
             </p:txBody>
           </p:sp>
         </mc:Choice>
-        <mc:Fallback>
+        <mc:Fallback xmlns="">
           <p:sp>
             <p:nvSpPr>
               <p:cNvPr id="5" name="TextBox 4">
